--- a/YouTube-Trends-Analyzing.pptx
+++ b/YouTube-Trends-Analyzing.pptx
@@ -1484,7 +1484,7 @@
         </p:blipFill>
         <p:spPr>
           <a:xfrm>
-            <a:off x="0" y="0"/>
+            <a:off x="0" y="-8579"/>
             <a:ext cx="5486400" cy="8229600"/>
           </a:xfrm>
           <a:prstGeom prst="rect">
@@ -1724,6 +1724,58 @@
               <a:t> Ballolli</a:t>
             </a:r>
             <a:endParaRPr lang="en-US" sz="1913" dirty="0"/>
+          </a:p>
+        </p:txBody>
+      </p:sp>
+      <p:sp>
+        <p:nvSpPr>
+          <p:cNvPr id="12" name="Rectangle 11">
+            <a:extLst>
+              <a:ext uri="{FF2B5EF4-FFF2-40B4-BE49-F238E27FC236}">
+                <a16:creationId xmlns:a16="http://schemas.microsoft.com/office/drawing/2014/main" id="{3E6E89D8-3411-AB02-0CB7-92DE48887561}"/>
+              </a:ext>
+            </a:extLst>
+          </p:cNvPr>
+          <p:cNvSpPr/>
+          <p:nvPr/>
+        </p:nvSpPr>
+        <p:spPr>
+          <a:xfrm>
+            <a:off x="6166485" y="7073145"/>
+            <a:ext cx="3628903" cy="621744"/>
+          </a:xfrm>
+          <a:prstGeom prst="rect">
+            <a:avLst/>
+          </a:prstGeom>
+          <a:solidFill>
+            <a:srgbClr val="38056B"/>
+          </a:solidFill>
+        </p:spPr>
+        <p:style>
+          <a:lnRef idx="2">
+            <a:schemeClr val="accent1">
+              <a:shade val="15000"/>
+            </a:schemeClr>
+          </a:lnRef>
+          <a:fillRef idx="1">
+            <a:schemeClr val="accent1"/>
+          </a:fillRef>
+          <a:effectRef idx="0">
+            <a:schemeClr val="accent1"/>
+          </a:effectRef>
+          <a:fontRef idx="minor">
+            <a:schemeClr val="lt1"/>
+          </a:fontRef>
+        </p:style>
+        <p:txBody>
+          <a:bodyPr rtlCol="0" anchor="ctr"/>
+          <a:lstStyle/>
+          <a:p>
+            <a:pPr algn="ctr"/>
+            <a:r>
+              <a:rPr lang="en-US" dirty="0"/>
+              <a:t>https://shorturl.at/flmAA</a:t>
+            </a:r>
           </a:p>
         </p:txBody>
       </p:sp>
@@ -1801,7 +1853,7 @@
           <a:bodyPr/>
           <a:lstStyle/>
           <a:p>
-            <a:endParaRPr lang="en-IN"/>
+            <a:endParaRPr lang="en-IN" dirty="0"/>
           </a:p>
         </p:txBody>
       </p:sp>
